--- a/PA3_portofolio_perez.pptx
+++ b/PA3_portofolio_perez.pptx
@@ -134,7 +134,7 @@
           <p:cNvPr id="2" name="Título 1">
             <a:extLst>
               <a:ext uri="{FF2B5EF4-FFF2-40B4-BE49-F238E27FC236}">
-                <a16:creationId xmlns:a16="http://schemas.microsoft.com/office/drawing/2014/main" xmlns="" id="{E1DF766E-CD89-3CF5-465F-D57C609B3DAD}"/>
+                <a16:creationId xmlns="" xmlns:a16="http://schemas.microsoft.com/office/drawing/2014/main" id="{E1DF766E-CD89-3CF5-465F-D57C609B3DAD}"/>
               </a:ext>
             </a:extLst>
           </p:cNvPr>
@@ -172,7 +172,7 @@
           <p:cNvPr id="3" name="Subtítulo 2">
             <a:extLst>
               <a:ext uri="{FF2B5EF4-FFF2-40B4-BE49-F238E27FC236}">
-                <a16:creationId xmlns:a16="http://schemas.microsoft.com/office/drawing/2014/main" xmlns="" id="{13E07A5C-CDD9-6A4D-63F5-7ED7555EF619}"/>
+                <a16:creationId xmlns="" xmlns:a16="http://schemas.microsoft.com/office/drawing/2014/main" id="{13E07A5C-CDD9-6A4D-63F5-7ED7555EF619}"/>
               </a:ext>
             </a:extLst>
           </p:cNvPr>
@@ -243,7 +243,7 @@
           <p:cNvPr id="4" name="Marcador de fecha 3">
             <a:extLst>
               <a:ext uri="{FF2B5EF4-FFF2-40B4-BE49-F238E27FC236}">
-                <a16:creationId xmlns:a16="http://schemas.microsoft.com/office/drawing/2014/main" xmlns="" id="{7B52801A-FFB8-3B4E-7260-77D8B3465771}"/>
+                <a16:creationId xmlns="" xmlns:a16="http://schemas.microsoft.com/office/drawing/2014/main" id="{7B52801A-FFB8-3B4E-7260-77D8B3465771}"/>
               </a:ext>
             </a:extLst>
           </p:cNvPr>
@@ -261,7 +261,7 @@
           <a:p>
             <a:fld id="{E1795141-521D-4C20-98E1-37B4FE814EAD}" type="datetimeFigureOut">
               <a:rPr lang="es-PE" smtClean="0"/>
-              <a:t>21/06/2025</a:t>
+              <a:t>22/06/2025</a:t>
             </a:fld>
             <a:endParaRPr lang="es-PE"/>
           </a:p>
@@ -272,7 +272,7 @@
           <p:cNvPr id="5" name="Marcador de pie de página 4">
             <a:extLst>
               <a:ext uri="{FF2B5EF4-FFF2-40B4-BE49-F238E27FC236}">
-                <a16:creationId xmlns:a16="http://schemas.microsoft.com/office/drawing/2014/main" xmlns="" id="{A932079A-BD87-1DB5-E05A-8092EA53A733}"/>
+                <a16:creationId xmlns="" xmlns:a16="http://schemas.microsoft.com/office/drawing/2014/main" id="{A932079A-BD87-1DB5-E05A-8092EA53A733}"/>
               </a:ext>
             </a:extLst>
           </p:cNvPr>
@@ -297,7 +297,7 @@
           <p:cNvPr id="6" name="Marcador de número de diapositiva 5">
             <a:extLst>
               <a:ext uri="{FF2B5EF4-FFF2-40B4-BE49-F238E27FC236}">
-                <a16:creationId xmlns:a16="http://schemas.microsoft.com/office/drawing/2014/main" xmlns="" id="{2DAD1082-E65D-0318-E0CF-A833280D669E}"/>
+                <a16:creationId xmlns="" xmlns:a16="http://schemas.microsoft.com/office/drawing/2014/main" id="{2DAD1082-E65D-0318-E0CF-A833280D669E}"/>
               </a:ext>
             </a:extLst>
           </p:cNvPr>
@@ -356,7 +356,7 @@
           <p:cNvPr id="2" name="Título 1">
             <a:extLst>
               <a:ext uri="{FF2B5EF4-FFF2-40B4-BE49-F238E27FC236}">
-                <a16:creationId xmlns:a16="http://schemas.microsoft.com/office/drawing/2014/main" xmlns="" id="{4CA1C3F0-EEEA-6DD1-C810-A19A6AEA972A}"/>
+                <a16:creationId xmlns="" xmlns:a16="http://schemas.microsoft.com/office/drawing/2014/main" id="{4CA1C3F0-EEEA-6DD1-C810-A19A6AEA972A}"/>
               </a:ext>
             </a:extLst>
           </p:cNvPr>
@@ -385,7 +385,7 @@
           <p:cNvPr id="3" name="Marcador de texto vertical 2">
             <a:extLst>
               <a:ext uri="{FF2B5EF4-FFF2-40B4-BE49-F238E27FC236}">
-                <a16:creationId xmlns:a16="http://schemas.microsoft.com/office/drawing/2014/main" xmlns="" id="{8B7EE6CD-5C3C-D910-D134-8D20DA103AF7}"/>
+                <a16:creationId xmlns="" xmlns:a16="http://schemas.microsoft.com/office/drawing/2014/main" id="{8B7EE6CD-5C3C-D910-D134-8D20DA103AF7}"/>
               </a:ext>
             </a:extLst>
           </p:cNvPr>
@@ -443,7 +443,7 @@
           <p:cNvPr id="4" name="Marcador de fecha 3">
             <a:extLst>
               <a:ext uri="{FF2B5EF4-FFF2-40B4-BE49-F238E27FC236}">
-                <a16:creationId xmlns:a16="http://schemas.microsoft.com/office/drawing/2014/main" xmlns="" id="{CAB84918-EC95-D593-E10A-74D25AB72DDC}"/>
+                <a16:creationId xmlns="" xmlns:a16="http://schemas.microsoft.com/office/drawing/2014/main" id="{CAB84918-EC95-D593-E10A-74D25AB72DDC}"/>
               </a:ext>
             </a:extLst>
           </p:cNvPr>
@@ -461,7 +461,7 @@
           <a:p>
             <a:fld id="{E1795141-521D-4C20-98E1-37B4FE814EAD}" type="datetimeFigureOut">
               <a:rPr lang="es-PE" smtClean="0"/>
-              <a:t>21/06/2025</a:t>
+              <a:t>22/06/2025</a:t>
             </a:fld>
             <a:endParaRPr lang="es-PE"/>
           </a:p>
@@ -472,7 +472,7 @@
           <p:cNvPr id="5" name="Marcador de pie de página 4">
             <a:extLst>
               <a:ext uri="{FF2B5EF4-FFF2-40B4-BE49-F238E27FC236}">
-                <a16:creationId xmlns:a16="http://schemas.microsoft.com/office/drawing/2014/main" xmlns="" id="{B0912FBE-A0E0-E6EE-1906-62E3BD1DC37E}"/>
+                <a16:creationId xmlns="" xmlns:a16="http://schemas.microsoft.com/office/drawing/2014/main" id="{B0912FBE-A0E0-E6EE-1906-62E3BD1DC37E}"/>
               </a:ext>
             </a:extLst>
           </p:cNvPr>
@@ -497,7 +497,7 @@
           <p:cNvPr id="6" name="Marcador de número de diapositiva 5">
             <a:extLst>
               <a:ext uri="{FF2B5EF4-FFF2-40B4-BE49-F238E27FC236}">
-                <a16:creationId xmlns:a16="http://schemas.microsoft.com/office/drawing/2014/main" xmlns="" id="{7F305071-55B7-E5E8-C6B9-4F7067F1FD5A}"/>
+                <a16:creationId xmlns="" xmlns:a16="http://schemas.microsoft.com/office/drawing/2014/main" id="{7F305071-55B7-E5E8-C6B9-4F7067F1FD5A}"/>
               </a:ext>
             </a:extLst>
           </p:cNvPr>
@@ -556,7 +556,7 @@
           <p:cNvPr id="2" name="Título vertical 1">
             <a:extLst>
               <a:ext uri="{FF2B5EF4-FFF2-40B4-BE49-F238E27FC236}">
-                <a16:creationId xmlns:a16="http://schemas.microsoft.com/office/drawing/2014/main" xmlns="" id="{DEFD8FED-D1AF-7914-6F58-3C1D496CBD69}"/>
+                <a16:creationId xmlns="" xmlns:a16="http://schemas.microsoft.com/office/drawing/2014/main" id="{DEFD8FED-D1AF-7914-6F58-3C1D496CBD69}"/>
               </a:ext>
             </a:extLst>
           </p:cNvPr>
@@ -590,7 +590,7 @@
           <p:cNvPr id="3" name="Marcador de texto vertical 2">
             <a:extLst>
               <a:ext uri="{FF2B5EF4-FFF2-40B4-BE49-F238E27FC236}">
-                <a16:creationId xmlns:a16="http://schemas.microsoft.com/office/drawing/2014/main" xmlns="" id="{6783FAEA-BE00-FC92-9116-64237E4E59CE}"/>
+                <a16:creationId xmlns="" xmlns:a16="http://schemas.microsoft.com/office/drawing/2014/main" id="{6783FAEA-BE00-FC92-9116-64237E4E59CE}"/>
               </a:ext>
             </a:extLst>
           </p:cNvPr>
@@ -653,7 +653,7 @@
           <p:cNvPr id="4" name="Marcador de fecha 3">
             <a:extLst>
               <a:ext uri="{FF2B5EF4-FFF2-40B4-BE49-F238E27FC236}">
-                <a16:creationId xmlns:a16="http://schemas.microsoft.com/office/drawing/2014/main" xmlns="" id="{9E8EC221-0508-5153-8B6C-EF1A64BE2EB4}"/>
+                <a16:creationId xmlns="" xmlns:a16="http://schemas.microsoft.com/office/drawing/2014/main" id="{9E8EC221-0508-5153-8B6C-EF1A64BE2EB4}"/>
               </a:ext>
             </a:extLst>
           </p:cNvPr>
@@ -671,7 +671,7 @@
           <a:p>
             <a:fld id="{E1795141-521D-4C20-98E1-37B4FE814EAD}" type="datetimeFigureOut">
               <a:rPr lang="es-PE" smtClean="0"/>
-              <a:t>21/06/2025</a:t>
+              <a:t>22/06/2025</a:t>
             </a:fld>
             <a:endParaRPr lang="es-PE"/>
           </a:p>
@@ -682,7 +682,7 @@
           <p:cNvPr id="5" name="Marcador de pie de página 4">
             <a:extLst>
               <a:ext uri="{FF2B5EF4-FFF2-40B4-BE49-F238E27FC236}">
-                <a16:creationId xmlns:a16="http://schemas.microsoft.com/office/drawing/2014/main" xmlns="" id="{FBD735E8-78C5-FF7D-677F-739F9D0F10AE}"/>
+                <a16:creationId xmlns="" xmlns:a16="http://schemas.microsoft.com/office/drawing/2014/main" id="{FBD735E8-78C5-FF7D-677F-739F9D0F10AE}"/>
               </a:ext>
             </a:extLst>
           </p:cNvPr>
@@ -707,7 +707,7 @@
           <p:cNvPr id="6" name="Marcador de número de diapositiva 5">
             <a:extLst>
               <a:ext uri="{FF2B5EF4-FFF2-40B4-BE49-F238E27FC236}">
-                <a16:creationId xmlns:a16="http://schemas.microsoft.com/office/drawing/2014/main" xmlns="" id="{040976F4-B7F3-184D-CE2D-920A22FBE74E}"/>
+                <a16:creationId xmlns="" xmlns:a16="http://schemas.microsoft.com/office/drawing/2014/main" id="{040976F4-B7F3-184D-CE2D-920A22FBE74E}"/>
               </a:ext>
             </a:extLst>
           </p:cNvPr>
@@ -766,7 +766,7 @@
           <p:cNvPr id="2" name="Título 1">
             <a:extLst>
               <a:ext uri="{FF2B5EF4-FFF2-40B4-BE49-F238E27FC236}">
-                <a16:creationId xmlns:a16="http://schemas.microsoft.com/office/drawing/2014/main" xmlns="" id="{13B29317-3366-717F-BA0C-76421B201BB8}"/>
+                <a16:creationId xmlns="" xmlns:a16="http://schemas.microsoft.com/office/drawing/2014/main" id="{13B29317-3366-717F-BA0C-76421B201BB8}"/>
               </a:ext>
             </a:extLst>
           </p:cNvPr>
@@ -795,7 +795,7 @@
           <p:cNvPr id="3" name="Marcador de contenido 2">
             <a:extLst>
               <a:ext uri="{FF2B5EF4-FFF2-40B4-BE49-F238E27FC236}">
-                <a16:creationId xmlns:a16="http://schemas.microsoft.com/office/drawing/2014/main" xmlns="" id="{1936606D-DB44-75EF-4F9A-B84DC12EFF81}"/>
+                <a16:creationId xmlns="" xmlns:a16="http://schemas.microsoft.com/office/drawing/2014/main" id="{1936606D-DB44-75EF-4F9A-B84DC12EFF81}"/>
               </a:ext>
             </a:extLst>
           </p:cNvPr>
@@ -853,7 +853,7 @@
           <p:cNvPr id="4" name="Marcador de fecha 3">
             <a:extLst>
               <a:ext uri="{FF2B5EF4-FFF2-40B4-BE49-F238E27FC236}">
-                <a16:creationId xmlns:a16="http://schemas.microsoft.com/office/drawing/2014/main" xmlns="" id="{FC6D9F8F-E76A-8F1E-C460-D0475E1A6BE9}"/>
+                <a16:creationId xmlns="" xmlns:a16="http://schemas.microsoft.com/office/drawing/2014/main" id="{FC6D9F8F-E76A-8F1E-C460-D0475E1A6BE9}"/>
               </a:ext>
             </a:extLst>
           </p:cNvPr>
@@ -871,7 +871,7 @@
           <a:p>
             <a:fld id="{E1795141-521D-4C20-98E1-37B4FE814EAD}" type="datetimeFigureOut">
               <a:rPr lang="es-PE" smtClean="0"/>
-              <a:t>21/06/2025</a:t>
+              <a:t>22/06/2025</a:t>
             </a:fld>
             <a:endParaRPr lang="es-PE"/>
           </a:p>
@@ -882,7 +882,7 @@
           <p:cNvPr id="5" name="Marcador de pie de página 4">
             <a:extLst>
               <a:ext uri="{FF2B5EF4-FFF2-40B4-BE49-F238E27FC236}">
-                <a16:creationId xmlns:a16="http://schemas.microsoft.com/office/drawing/2014/main" xmlns="" id="{E45CA404-C2D9-EA19-0AD0-B1ACBF8D1E47}"/>
+                <a16:creationId xmlns="" xmlns:a16="http://schemas.microsoft.com/office/drawing/2014/main" id="{E45CA404-C2D9-EA19-0AD0-B1ACBF8D1E47}"/>
               </a:ext>
             </a:extLst>
           </p:cNvPr>
@@ -907,7 +907,7 @@
           <p:cNvPr id="6" name="Marcador de número de diapositiva 5">
             <a:extLst>
               <a:ext uri="{FF2B5EF4-FFF2-40B4-BE49-F238E27FC236}">
-                <a16:creationId xmlns:a16="http://schemas.microsoft.com/office/drawing/2014/main" xmlns="" id="{60295459-A203-7717-76B2-C57891C60EFB}"/>
+                <a16:creationId xmlns="" xmlns:a16="http://schemas.microsoft.com/office/drawing/2014/main" id="{60295459-A203-7717-76B2-C57891C60EFB}"/>
               </a:ext>
             </a:extLst>
           </p:cNvPr>
@@ -966,7 +966,7 @@
           <p:cNvPr id="2" name="Título 1">
             <a:extLst>
               <a:ext uri="{FF2B5EF4-FFF2-40B4-BE49-F238E27FC236}">
-                <a16:creationId xmlns:a16="http://schemas.microsoft.com/office/drawing/2014/main" xmlns="" id="{324243D7-F413-76FC-AD6D-CCE6B7D9C8DC}"/>
+                <a16:creationId xmlns="" xmlns:a16="http://schemas.microsoft.com/office/drawing/2014/main" id="{324243D7-F413-76FC-AD6D-CCE6B7D9C8DC}"/>
               </a:ext>
             </a:extLst>
           </p:cNvPr>
@@ -1004,7 +1004,7 @@
           <p:cNvPr id="3" name="Marcador de texto 2">
             <a:extLst>
               <a:ext uri="{FF2B5EF4-FFF2-40B4-BE49-F238E27FC236}">
-                <a16:creationId xmlns:a16="http://schemas.microsoft.com/office/drawing/2014/main" xmlns="" id="{8BB818FE-AA97-83C2-2A1A-47067912F4CB}"/>
+                <a16:creationId xmlns="" xmlns:a16="http://schemas.microsoft.com/office/drawing/2014/main" id="{8BB818FE-AA97-83C2-2A1A-47067912F4CB}"/>
               </a:ext>
             </a:extLst>
           </p:cNvPr>
@@ -1129,7 +1129,7 @@
           <p:cNvPr id="4" name="Marcador de fecha 3">
             <a:extLst>
               <a:ext uri="{FF2B5EF4-FFF2-40B4-BE49-F238E27FC236}">
-                <a16:creationId xmlns:a16="http://schemas.microsoft.com/office/drawing/2014/main" xmlns="" id="{8F0B472D-D9F5-06F0-E097-A67659DA43AC}"/>
+                <a16:creationId xmlns="" xmlns:a16="http://schemas.microsoft.com/office/drawing/2014/main" id="{8F0B472D-D9F5-06F0-E097-A67659DA43AC}"/>
               </a:ext>
             </a:extLst>
           </p:cNvPr>
@@ -1147,7 +1147,7 @@
           <a:p>
             <a:fld id="{E1795141-521D-4C20-98E1-37B4FE814EAD}" type="datetimeFigureOut">
               <a:rPr lang="es-PE" smtClean="0"/>
-              <a:t>21/06/2025</a:t>
+              <a:t>22/06/2025</a:t>
             </a:fld>
             <a:endParaRPr lang="es-PE"/>
           </a:p>
@@ -1158,7 +1158,7 @@
           <p:cNvPr id="5" name="Marcador de pie de página 4">
             <a:extLst>
               <a:ext uri="{FF2B5EF4-FFF2-40B4-BE49-F238E27FC236}">
-                <a16:creationId xmlns:a16="http://schemas.microsoft.com/office/drawing/2014/main" xmlns="" id="{DD4F8B55-C1BA-399A-8BB8-A0BFF6102263}"/>
+                <a16:creationId xmlns="" xmlns:a16="http://schemas.microsoft.com/office/drawing/2014/main" id="{DD4F8B55-C1BA-399A-8BB8-A0BFF6102263}"/>
               </a:ext>
             </a:extLst>
           </p:cNvPr>
@@ -1183,7 +1183,7 @@
           <p:cNvPr id="6" name="Marcador de número de diapositiva 5">
             <a:extLst>
               <a:ext uri="{FF2B5EF4-FFF2-40B4-BE49-F238E27FC236}">
-                <a16:creationId xmlns:a16="http://schemas.microsoft.com/office/drawing/2014/main" xmlns="" id="{1FB66D55-0D60-37EC-C6C9-0FE741548A4E}"/>
+                <a16:creationId xmlns="" xmlns:a16="http://schemas.microsoft.com/office/drawing/2014/main" id="{1FB66D55-0D60-37EC-C6C9-0FE741548A4E}"/>
               </a:ext>
             </a:extLst>
           </p:cNvPr>
@@ -1242,7 +1242,7 @@
           <p:cNvPr id="2" name="Título 1">
             <a:extLst>
               <a:ext uri="{FF2B5EF4-FFF2-40B4-BE49-F238E27FC236}">
-                <a16:creationId xmlns:a16="http://schemas.microsoft.com/office/drawing/2014/main" xmlns="" id="{B10620B3-F0AB-F1FA-BE44-E338ACFE5B1A}"/>
+                <a16:creationId xmlns="" xmlns:a16="http://schemas.microsoft.com/office/drawing/2014/main" id="{B10620B3-F0AB-F1FA-BE44-E338ACFE5B1A}"/>
               </a:ext>
             </a:extLst>
           </p:cNvPr>
@@ -1271,7 +1271,7 @@
           <p:cNvPr id="3" name="Marcador de contenido 2">
             <a:extLst>
               <a:ext uri="{FF2B5EF4-FFF2-40B4-BE49-F238E27FC236}">
-                <a16:creationId xmlns:a16="http://schemas.microsoft.com/office/drawing/2014/main" xmlns="" id="{DD0B3DEE-6A25-A2F6-EB39-7BF1BBC64CB8}"/>
+                <a16:creationId xmlns="" xmlns:a16="http://schemas.microsoft.com/office/drawing/2014/main" id="{DD0B3DEE-6A25-A2F6-EB39-7BF1BBC64CB8}"/>
               </a:ext>
             </a:extLst>
           </p:cNvPr>
@@ -1334,7 +1334,7 @@
           <p:cNvPr id="4" name="Marcador de contenido 3">
             <a:extLst>
               <a:ext uri="{FF2B5EF4-FFF2-40B4-BE49-F238E27FC236}">
-                <a16:creationId xmlns:a16="http://schemas.microsoft.com/office/drawing/2014/main" xmlns="" id="{20136D11-88DA-5195-AC39-F8680ADC1C09}"/>
+                <a16:creationId xmlns="" xmlns:a16="http://schemas.microsoft.com/office/drawing/2014/main" id="{20136D11-88DA-5195-AC39-F8680ADC1C09}"/>
               </a:ext>
             </a:extLst>
           </p:cNvPr>
@@ -1397,7 +1397,7 @@
           <p:cNvPr id="5" name="Marcador de fecha 4">
             <a:extLst>
               <a:ext uri="{FF2B5EF4-FFF2-40B4-BE49-F238E27FC236}">
-                <a16:creationId xmlns:a16="http://schemas.microsoft.com/office/drawing/2014/main" xmlns="" id="{4A93584B-96AC-8204-4EEE-47E2AD641BA2}"/>
+                <a16:creationId xmlns="" xmlns:a16="http://schemas.microsoft.com/office/drawing/2014/main" id="{4A93584B-96AC-8204-4EEE-47E2AD641BA2}"/>
               </a:ext>
             </a:extLst>
           </p:cNvPr>
@@ -1415,7 +1415,7 @@
           <a:p>
             <a:fld id="{E1795141-521D-4C20-98E1-37B4FE814EAD}" type="datetimeFigureOut">
               <a:rPr lang="es-PE" smtClean="0"/>
-              <a:t>21/06/2025</a:t>
+              <a:t>22/06/2025</a:t>
             </a:fld>
             <a:endParaRPr lang="es-PE"/>
           </a:p>
@@ -1426,7 +1426,7 @@
           <p:cNvPr id="6" name="Marcador de pie de página 5">
             <a:extLst>
               <a:ext uri="{FF2B5EF4-FFF2-40B4-BE49-F238E27FC236}">
-                <a16:creationId xmlns:a16="http://schemas.microsoft.com/office/drawing/2014/main" xmlns="" id="{05486D50-BDEE-08CA-D597-444BA8294E92}"/>
+                <a16:creationId xmlns="" xmlns:a16="http://schemas.microsoft.com/office/drawing/2014/main" id="{05486D50-BDEE-08CA-D597-444BA8294E92}"/>
               </a:ext>
             </a:extLst>
           </p:cNvPr>
@@ -1451,7 +1451,7 @@
           <p:cNvPr id="7" name="Marcador de número de diapositiva 6">
             <a:extLst>
               <a:ext uri="{FF2B5EF4-FFF2-40B4-BE49-F238E27FC236}">
-                <a16:creationId xmlns:a16="http://schemas.microsoft.com/office/drawing/2014/main" xmlns="" id="{9E4C9A05-F103-1E77-A809-B94C8731E16E}"/>
+                <a16:creationId xmlns="" xmlns:a16="http://schemas.microsoft.com/office/drawing/2014/main" id="{9E4C9A05-F103-1E77-A809-B94C8731E16E}"/>
               </a:ext>
             </a:extLst>
           </p:cNvPr>
@@ -1510,7 +1510,7 @@
           <p:cNvPr id="2" name="Título 1">
             <a:extLst>
               <a:ext uri="{FF2B5EF4-FFF2-40B4-BE49-F238E27FC236}">
-                <a16:creationId xmlns:a16="http://schemas.microsoft.com/office/drawing/2014/main" xmlns="" id="{CBDC3DAA-F5F9-4ABD-CA63-AFFD728E669F}"/>
+                <a16:creationId xmlns="" xmlns:a16="http://schemas.microsoft.com/office/drawing/2014/main" id="{CBDC3DAA-F5F9-4ABD-CA63-AFFD728E669F}"/>
               </a:ext>
             </a:extLst>
           </p:cNvPr>
@@ -1544,7 +1544,7 @@
           <p:cNvPr id="3" name="Marcador de texto 2">
             <a:extLst>
               <a:ext uri="{FF2B5EF4-FFF2-40B4-BE49-F238E27FC236}">
-                <a16:creationId xmlns:a16="http://schemas.microsoft.com/office/drawing/2014/main" xmlns="" id="{A13F1C9D-3F7C-812B-3527-7746A19DB0AB}"/>
+                <a16:creationId xmlns="" xmlns:a16="http://schemas.microsoft.com/office/drawing/2014/main" id="{A13F1C9D-3F7C-812B-3527-7746A19DB0AB}"/>
               </a:ext>
             </a:extLst>
           </p:cNvPr>
@@ -1615,7 +1615,7 @@
           <p:cNvPr id="4" name="Marcador de contenido 3">
             <a:extLst>
               <a:ext uri="{FF2B5EF4-FFF2-40B4-BE49-F238E27FC236}">
-                <a16:creationId xmlns:a16="http://schemas.microsoft.com/office/drawing/2014/main" xmlns="" id="{AA56DF36-5287-5B08-86DD-3D44A2B4BAAC}"/>
+                <a16:creationId xmlns="" xmlns:a16="http://schemas.microsoft.com/office/drawing/2014/main" id="{AA56DF36-5287-5B08-86DD-3D44A2B4BAAC}"/>
               </a:ext>
             </a:extLst>
           </p:cNvPr>
@@ -1678,7 +1678,7 @@
           <p:cNvPr id="5" name="Marcador de texto 4">
             <a:extLst>
               <a:ext uri="{FF2B5EF4-FFF2-40B4-BE49-F238E27FC236}">
-                <a16:creationId xmlns:a16="http://schemas.microsoft.com/office/drawing/2014/main" xmlns="" id="{A6B44436-689A-9A6B-7922-66BDAA2CA93E}"/>
+                <a16:creationId xmlns="" xmlns:a16="http://schemas.microsoft.com/office/drawing/2014/main" id="{A6B44436-689A-9A6B-7922-66BDAA2CA93E}"/>
               </a:ext>
             </a:extLst>
           </p:cNvPr>
@@ -1749,7 +1749,7 @@
           <p:cNvPr id="6" name="Marcador de contenido 5">
             <a:extLst>
               <a:ext uri="{FF2B5EF4-FFF2-40B4-BE49-F238E27FC236}">
-                <a16:creationId xmlns:a16="http://schemas.microsoft.com/office/drawing/2014/main" xmlns="" id="{EEEF7115-963B-B564-671F-72E69679B875}"/>
+                <a16:creationId xmlns="" xmlns:a16="http://schemas.microsoft.com/office/drawing/2014/main" id="{EEEF7115-963B-B564-671F-72E69679B875}"/>
               </a:ext>
             </a:extLst>
           </p:cNvPr>
@@ -1812,7 +1812,7 @@
           <p:cNvPr id="7" name="Marcador de fecha 6">
             <a:extLst>
               <a:ext uri="{FF2B5EF4-FFF2-40B4-BE49-F238E27FC236}">
-                <a16:creationId xmlns:a16="http://schemas.microsoft.com/office/drawing/2014/main" xmlns="" id="{9DED49AB-08FD-782A-51F6-523DE67CD3CC}"/>
+                <a16:creationId xmlns="" xmlns:a16="http://schemas.microsoft.com/office/drawing/2014/main" id="{9DED49AB-08FD-782A-51F6-523DE67CD3CC}"/>
               </a:ext>
             </a:extLst>
           </p:cNvPr>
@@ -1830,7 +1830,7 @@
           <a:p>
             <a:fld id="{E1795141-521D-4C20-98E1-37B4FE814EAD}" type="datetimeFigureOut">
               <a:rPr lang="es-PE" smtClean="0"/>
-              <a:t>21/06/2025</a:t>
+              <a:t>22/06/2025</a:t>
             </a:fld>
             <a:endParaRPr lang="es-PE"/>
           </a:p>
@@ -1841,7 +1841,7 @@
           <p:cNvPr id="8" name="Marcador de pie de página 7">
             <a:extLst>
               <a:ext uri="{FF2B5EF4-FFF2-40B4-BE49-F238E27FC236}">
-                <a16:creationId xmlns:a16="http://schemas.microsoft.com/office/drawing/2014/main" xmlns="" id="{9761B916-6CAA-C969-925F-829DD62A2300}"/>
+                <a16:creationId xmlns="" xmlns:a16="http://schemas.microsoft.com/office/drawing/2014/main" id="{9761B916-6CAA-C969-925F-829DD62A2300}"/>
               </a:ext>
             </a:extLst>
           </p:cNvPr>
@@ -1866,7 +1866,7 @@
           <p:cNvPr id="9" name="Marcador de número de diapositiva 8">
             <a:extLst>
               <a:ext uri="{FF2B5EF4-FFF2-40B4-BE49-F238E27FC236}">
-                <a16:creationId xmlns:a16="http://schemas.microsoft.com/office/drawing/2014/main" xmlns="" id="{7464DF3C-44A1-6656-C359-5F1EF231F0CC}"/>
+                <a16:creationId xmlns="" xmlns:a16="http://schemas.microsoft.com/office/drawing/2014/main" id="{7464DF3C-44A1-6656-C359-5F1EF231F0CC}"/>
               </a:ext>
             </a:extLst>
           </p:cNvPr>
@@ -1925,7 +1925,7 @@
           <p:cNvPr id="2" name="Título 1">
             <a:extLst>
               <a:ext uri="{FF2B5EF4-FFF2-40B4-BE49-F238E27FC236}">
-                <a16:creationId xmlns:a16="http://schemas.microsoft.com/office/drawing/2014/main" xmlns="" id="{6CF76B52-CF41-4B0D-B7A1-7D1A3355226A}"/>
+                <a16:creationId xmlns="" xmlns:a16="http://schemas.microsoft.com/office/drawing/2014/main" id="{6CF76B52-CF41-4B0D-B7A1-7D1A3355226A}"/>
               </a:ext>
             </a:extLst>
           </p:cNvPr>
@@ -1954,7 +1954,7 @@
           <p:cNvPr id="3" name="Marcador de fecha 2">
             <a:extLst>
               <a:ext uri="{FF2B5EF4-FFF2-40B4-BE49-F238E27FC236}">
-                <a16:creationId xmlns:a16="http://schemas.microsoft.com/office/drawing/2014/main" xmlns="" id="{FE1CF749-7A96-0690-80F5-83E11BC5679C}"/>
+                <a16:creationId xmlns="" xmlns:a16="http://schemas.microsoft.com/office/drawing/2014/main" id="{FE1CF749-7A96-0690-80F5-83E11BC5679C}"/>
               </a:ext>
             </a:extLst>
           </p:cNvPr>
@@ -1972,7 +1972,7 @@
           <a:p>
             <a:fld id="{E1795141-521D-4C20-98E1-37B4FE814EAD}" type="datetimeFigureOut">
               <a:rPr lang="es-PE" smtClean="0"/>
-              <a:t>21/06/2025</a:t>
+              <a:t>22/06/2025</a:t>
             </a:fld>
             <a:endParaRPr lang="es-PE"/>
           </a:p>
@@ -1983,7 +1983,7 @@
           <p:cNvPr id="4" name="Marcador de pie de página 3">
             <a:extLst>
               <a:ext uri="{FF2B5EF4-FFF2-40B4-BE49-F238E27FC236}">
-                <a16:creationId xmlns:a16="http://schemas.microsoft.com/office/drawing/2014/main" xmlns="" id="{94A5C612-6FF6-27CC-DFFA-A65F6DD1143D}"/>
+                <a16:creationId xmlns="" xmlns:a16="http://schemas.microsoft.com/office/drawing/2014/main" id="{94A5C612-6FF6-27CC-DFFA-A65F6DD1143D}"/>
               </a:ext>
             </a:extLst>
           </p:cNvPr>
@@ -2008,7 +2008,7 @@
           <p:cNvPr id="5" name="Marcador de número de diapositiva 4">
             <a:extLst>
               <a:ext uri="{FF2B5EF4-FFF2-40B4-BE49-F238E27FC236}">
-                <a16:creationId xmlns:a16="http://schemas.microsoft.com/office/drawing/2014/main" xmlns="" id="{648BBBA5-A014-36A8-AC67-7CC863701ADF}"/>
+                <a16:creationId xmlns="" xmlns:a16="http://schemas.microsoft.com/office/drawing/2014/main" id="{648BBBA5-A014-36A8-AC67-7CC863701ADF}"/>
               </a:ext>
             </a:extLst>
           </p:cNvPr>
@@ -2067,7 +2067,7 @@
           <p:cNvPr id="2" name="Marcador de fecha 1">
             <a:extLst>
               <a:ext uri="{FF2B5EF4-FFF2-40B4-BE49-F238E27FC236}">
-                <a16:creationId xmlns:a16="http://schemas.microsoft.com/office/drawing/2014/main" xmlns="" id="{6AE7F100-CEC6-F4DD-6A0A-9C817B34C7CF}"/>
+                <a16:creationId xmlns="" xmlns:a16="http://schemas.microsoft.com/office/drawing/2014/main" id="{6AE7F100-CEC6-F4DD-6A0A-9C817B34C7CF}"/>
               </a:ext>
             </a:extLst>
           </p:cNvPr>
@@ -2085,7 +2085,7 @@
           <a:p>
             <a:fld id="{E1795141-521D-4C20-98E1-37B4FE814EAD}" type="datetimeFigureOut">
               <a:rPr lang="es-PE" smtClean="0"/>
-              <a:t>21/06/2025</a:t>
+              <a:t>22/06/2025</a:t>
             </a:fld>
             <a:endParaRPr lang="es-PE"/>
           </a:p>
@@ -2096,7 +2096,7 @@
           <p:cNvPr id="3" name="Marcador de pie de página 2">
             <a:extLst>
               <a:ext uri="{FF2B5EF4-FFF2-40B4-BE49-F238E27FC236}">
-                <a16:creationId xmlns:a16="http://schemas.microsoft.com/office/drawing/2014/main" xmlns="" id="{7C8A7E4E-A7E8-1245-9A0F-76D1410C3B38}"/>
+                <a16:creationId xmlns="" xmlns:a16="http://schemas.microsoft.com/office/drawing/2014/main" id="{7C8A7E4E-A7E8-1245-9A0F-76D1410C3B38}"/>
               </a:ext>
             </a:extLst>
           </p:cNvPr>
@@ -2121,7 +2121,7 @@
           <p:cNvPr id="4" name="Marcador de número de diapositiva 3">
             <a:extLst>
               <a:ext uri="{FF2B5EF4-FFF2-40B4-BE49-F238E27FC236}">
-                <a16:creationId xmlns:a16="http://schemas.microsoft.com/office/drawing/2014/main" xmlns="" id="{39988B6A-BEBC-E036-E4BE-5883031E4016}"/>
+                <a16:creationId xmlns="" xmlns:a16="http://schemas.microsoft.com/office/drawing/2014/main" id="{39988B6A-BEBC-E036-E4BE-5883031E4016}"/>
               </a:ext>
             </a:extLst>
           </p:cNvPr>
@@ -2180,7 +2180,7 @@
           <p:cNvPr id="2" name="Título 1">
             <a:extLst>
               <a:ext uri="{FF2B5EF4-FFF2-40B4-BE49-F238E27FC236}">
-                <a16:creationId xmlns:a16="http://schemas.microsoft.com/office/drawing/2014/main" xmlns="" id="{E93C4C15-E095-FFE6-A05C-2304762303CF}"/>
+                <a16:creationId xmlns="" xmlns:a16="http://schemas.microsoft.com/office/drawing/2014/main" id="{E93C4C15-E095-FFE6-A05C-2304762303CF}"/>
               </a:ext>
             </a:extLst>
           </p:cNvPr>
@@ -2218,7 +2218,7 @@
           <p:cNvPr id="3" name="Marcador de contenido 2">
             <a:extLst>
               <a:ext uri="{FF2B5EF4-FFF2-40B4-BE49-F238E27FC236}">
-                <a16:creationId xmlns:a16="http://schemas.microsoft.com/office/drawing/2014/main" xmlns="" id="{732EF6C0-3A97-DE35-811D-B82A4CA3526F}"/>
+                <a16:creationId xmlns="" xmlns:a16="http://schemas.microsoft.com/office/drawing/2014/main" id="{732EF6C0-3A97-DE35-811D-B82A4CA3526F}"/>
               </a:ext>
             </a:extLst>
           </p:cNvPr>
@@ -2309,7 +2309,7 @@
           <p:cNvPr id="4" name="Marcador de texto 3">
             <a:extLst>
               <a:ext uri="{FF2B5EF4-FFF2-40B4-BE49-F238E27FC236}">
-                <a16:creationId xmlns:a16="http://schemas.microsoft.com/office/drawing/2014/main" xmlns="" id="{28EDF345-CEB0-D51B-33BA-DA2511B84C50}"/>
+                <a16:creationId xmlns="" xmlns:a16="http://schemas.microsoft.com/office/drawing/2014/main" id="{28EDF345-CEB0-D51B-33BA-DA2511B84C50}"/>
               </a:ext>
             </a:extLst>
           </p:cNvPr>
@@ -2380,7 +2380,7 @@
           <p:cNvPr id="5" name="Marcador de fecha 4">
             <a:extLst>
               <a:ext uri="{FF2B5EF4-FFF2-40B4-BE49-F238E27FC236}">
-                <a16:creationId xmlns:a16="http://schemas.microsoft.com/office/drawing/2014/main" xmlns="" id="{BCD2DA6B-D46D-351F-27B7-B3AC81CCD163}"/>
+                <a16:creationId xmlns="" xmlns:a16="http://schemas.microsoft.com/office/drawing/2014/main" id="{BCD2DA6B-D46D-351F-27B7-B3AC81CCD163}"/>
               </a:ext>
             </a:extLst>
           </p:cNvPr>
@@ -2398,7 +2398,7 @@
           <a:p>
             <a:fld id="{E1795141-521D-4C20-98E1-37B4FE814EAD}" type="datetimeFigureOut">
               <a:rPr lang="es-PE" smtClean="0"/>
-              <a:t>21/06/2025</a:t>
+              <a:t>22/06/2025</a:t>
             </a:fld>
             <a:endParaRPr lang="es-PE"/>
           </a:p>
@@ -2409,7 +2409,7 @@
           <p:cNvPr id="6" name="Marcador de pie de página 5">
             <a:extLst>
               <a:ext uri="{FF2B5EF4-FFF2-40B4-BE49-F238E27FC236}">
-                <a16:creationId xmlns:a16="http://schemas.microsoft.com/office/drawing/2014/main" xmlns="" id="{7E4CC241-3BB0-2C7B-6454-B390354CA59F}"/>
+                <a16:creationId xmlns="" xmlns:a16="http://schemas.microsoft.com/office/drawing/2014/main" id="{7E4CC241-3BB0-2C7B-6454-B390354CA59F}"/>
               </a:ext>
             </a:extLst>
           </p:cNvPr>
@@ -2434,7 +2434,7 @@
           <p:cNvPr id="7" name="Marcador de número de diapositiva 6">
             <a:extLst>
               <a:ext uri="{FF2B5EF4-FFF2-40B4-BE49-F238E27FC236}">
-                <a16:creationId xmlns:a16="http://schemas.microsoft.com/office/drawing/2014/main" xmlns="" id="{9DF66ED0-E8BE-555C-0408-49940B2F4BE5}"/>
+                <a16:creationId xmlns="" xmlns:a16="http://schemas.microsoft.com/office/drawing/2014/main" id="{9DF66ED0-E8BE-555C-0408-49940B2F4BE5}"/>
               </a:ext>
             </a:extLst>
           </p:cNvPr>
@@ -2493,7 +2493,7 @@
           <p:cNvPr id="2" name="Título 1">
             <a:extLst>
               <a:ext uri="{FF2B5EF4-FFF2-40B4-BE49-F238E27FC236}">
-                <a16:creationId xmlns:a16="http://schemas.microsoft.com/office/drawing/2014/main" xmlns="" id="{72B92879-E414-ECB5-8CD4-C7C06701C3C2}"/>
+                <a16:creationId xmlns="" xmlns:a16="http://schemas.microsoft.com/office/drawing/2014/main" id="{72B92879-E414-ECB5-8CD4-C7C06701C3C2}"/>
               </a:ext>
             </a:extLst>
           </p:cNvPr>
@@ -2531,7 +2531,7 @@
           <p:cNvPr id="3" name="Marcador de posición de imagen 2">
             <a:extLst>
               <a:ext uri="{FF2B5EF4-FFF2-40B4-BE49-F238E27FC236}">
-                <a16:creationId xmlns:a16="http://schemas.microsoft.com/office/drawing/2014/main" xmlns="" id="{B3ECFA52-9FA3-06B1-82AA-CBAC18FC015A}"/>
+                <a16:creationId xmlns="" xmlns:a16="http://schemas.microsoft.com/office/drawing/2014/main" id="{B3ECFA52-9FA3-06B1-82AA-CBAC18FC015A}"/>
               </a:ext>
             </a:extLst>
           </p:cNvPr>
@@ -2598,7 +2598,7 @@
           <p:cNvPr id="4" name="Marcador de texto 3">
             <a:extLst>
               <a:ext uri="{FF2B5EF4-FFF2-40B4-BE49-F238E27FC236}">
-                <a16:creationId xmlns:a16="http://schemas.microsoft.com/office/drawing/2014/main" xmlns="" id="{07241E92-CFAF-6307-020D-AEC209E30FA9}"/>
+                <a16:creationId xmlns="" xmlns:a16="http://schemas.microsoft.com/office/drawing/2014/main" id="{07241E92-CFAF-6307-020D-AEC209E30FA9}"/>
               </a:ext>
             </a:extLst>
           </p:cNvPr>
@@ -2669,7 +2669,7 @@
           <p:cNvPr id="5" name="Marcador de fecha 4">
             <a:extLst>
               <a:ext uri="{FF2B5EF4-FFF2-40B4-BE49-F238E27FC236}">
-                <a16:creationId xmlns:a16="http://schemas.microsoft.com/office/drawing/2014/main" xmlns="" id="{E3B00FD2-B285-3451-2A85-42A7087F9CD0}"/>
+                <a16:creationId xmlns="" xmlns:a16="http://schemas.microsoft.com/office/drawing/2014/main" id="{E3B00FD2-B285-3451-2A85-42A7087F9CD0}"/>
               </a:ext>
             </a:extLst>
           </p:cNvPr>
@@ -2687,7 +2687,7 @@
           <a:p>
             <a:fld id="{E1795141-521D-4C20-98E1-37B4FE814EAD}" type="datetimeFigureOut">
               <a:rPr lang="es-PE" smtClean="0"/>
-              <a:t>21/06/2025</a:t>
+              <a:t>22/06/2025</a:t>
             </a:fld>
             <a:endParaRPr lang="es-PE"/>
           </a:p>
@@ -2698,7 +2698,7 @@
           <p:cNvPr id="6" name="Marcador de pie de página 5">
             <a:extLst>
               <a:ext uri="{FF2B5EF4-FFF2-40B4-BE49-F238E27FC236}">
-                <a16:creationId xmlns:a16="http://schemas.microsoft.com/office/drawing/2014/main" xmlns="" id="{9A11C44A-21FB-56CB-203D-AD7733EAFE93}"/>
+                <a16:creationId xmlns="" xmlns:a16="http://schemas.microsoft.com/office/drawing/2014/main" id="{9A11C44A-21FB-56CB-203D-AD7733EAFE93}"/>
               </a:ext>
             </a:extLst>
           </p:cNvPr>
@@ -2723,7 +2723,7 @@
           <p:cNvPr id="7" name="Marcador de número de diapositiva 6">
             <a:extLst>
               <a:ext uri="{FF2B5EF4-FFF2-40B4-BE49-F238E27FC236}">
-                <a16:creationId xmlns:a16="http://schemas.microsoft.com/office/drawing/2014/main" xmlns="" id="{3D32DE41-195D-24EA-238D-BA527FB45673}"/>
+                <a16:creationId xmlns="" xmlns:a16="http://schemas.microsoft.com/office/drawing/2014/main" id="{3D32DE41-195D-24EA-238D-BA527FB45673}"/>
               </a:ext>
             </a:extLst>
           </p:cNvPr>
@@ -2787,7 +2787,7 @@
           <p:cNvPr id="2" name="Marcador de título 1">
             <a:extLst>
               <a:ext uri="{FF2B5EF4-FFF2-40B4-BE49-F238E27FC236}">
-                <a16:creationId xmlns:a16="http://schemas.microsoft.com/office/drawing/2014/main" xmlns="" id="{115E97CF-0FE9-4961-5F55-FC2571A4E3E8}"/>
+                <a16:creationId xmlns="" xmlns:a16="http://schemas.microsoft.com/office/drawing/2014/main" id="{115E97CF-0FE9-4961-5F55-FC2571A4E3E8}"/>
               </a:ext>
             </a:extLst>
           </p:cNvPr>
@@ -2826,7 +2826,7 @@
           <p:cNvPr id="3" name="Marcador de texto 2">
             <a:extLst>
               <a:ext uri="{FF2B5EF4-FFF2-40B4-BE49-F238E27FC236}">
-                <a16:creationId xmlns:a16="http://schemas.microsoft.com/office/drawing/2014/main" xmlns="" id="{0F81535B-F805-A748-673E-8F9E3E96E7B3}"/>
+                <a16:creationId xmlns="" xmlns:a16="http://schemas.microsoft.com/office/drawing/2014/main" id="{0F81535B-F805-A748-673E-8F9E3E96E7B3}"/>
               </a:ext>
             </a:extLst>
           </p:cNvPr>
@@ -2894,7 +2894,7 @@
           <p:cNvPr id="4" name="Marcador de fecha 3">
             <a:extLst>
               <a:ext uri="{FF2B5EF4-FFF2-40B4-BE49-F238E27FC236}">
-                <a16:creationId xmlns:a16="http://schemas.microsoft.com/office/drawing/2014/main" xmlns="" id="{EDC91CE4-472C-EEF9-1046-4EE127D5AB07}"/>
+                <a16:creationId xmlns="" xmlns:a16="http://schemas.microsoft.com/office/drawing/2014/main" id="{EDC91CE4-472C-EEF9-1046-4EE127D5AB07}"/>
               </a:ext>
             </a:extLst>
           </p:cNvPr>
@@ -2930,7 +2930,7 @@
           <a:p>
             <a:fld id="{E1795141-521D-4C20-98E1-37B4FE814EAD}" type="datetimeFigureOut">
               <a:rPr lang="es-PE" smtClean="0"/>
-              <a:t>21/06/2025</a:t>
+              <a:t>22/06/2025</a:t>
             </a:fld>
             <a:endParaRPr lang="es-PE"/>
           </a:p>
@@ -2941,7 +2941,7 @@
           <p:cNvPr id="5" name="Marcador de pie de página 4">
             <a:extLst>
               <a:ext uri="{FF2B5EF4-FFF2-40B4-BE49-F238E27FC236}">
-                <a16:creationId xmlns:a16="http://schemas.microsoft.com/office/drawing/2014/main" xmlns="" id="{F35692AE-4F08-E6C3-5851-1CBEC30AEA8F}"/>
+                <a16:creationId xmlns="" xmlns:a16="http://schemas.microsoft.com/office/drawing/2014/main" id="{F35692AE-4F08-E6C3-5851-1CBEC30AEA8F}"/>
               </a:ext>
             </a:extLst>
           </p:cNvPr>
@@ -2984,7 +2984,7 @@
           <p:cNvPr id="6" name="Marcador de número de diapositiva 5">
             <a:extLst>
               <a:ext uri="{FF2B5EF4-FFF2-40B4-BE49-F238E27FC236}">
-                <a16:creationId xmlns:a16="http://schemas.microsoft.com/office/drawing/2014/main" xmlns="" id="{138EDA9A-42AD-7903-CDCA-A1D8075E4233}"/>
+                <a16:creationId xmlns="" xmlns:a16="http://schemas.microsoft.com/office/drawing/2014/main" id="{138EDA9A-42AD-7903-CDCA-A1D8075E4233}"/>
               </a:ext>
             </a:extLst>
           </p:cNvPr>
@@ -3360,7 +3360,7 @@
           <p:cNvPr id="4" name="Tabla 4">
             <a:extLst>
               <a:ext uri="{FF2B5EF4-FFF2-40B4-BE49-F238E27FC236}">
-                <a16:creationId xmlns:a16="http://schemas.microsoft.com/office/drawing/2014/main" xmlns="" id="{9C5FAAD9-24B9-4589-7E07-599CD86E9A5C}"/>
+                <a16:creationId xmlns="" xmlns:a16="http://schemas.microsoft.com/office/drawing/2014/main" id="{9C5FAAD9-24B9-4589-7E07-599CD86E9A5C}"/>
               </a:ext>
             </a:extLst>
           </p:cNvPr>
@@ -3390,28 +3390,28 @@
                 <a:gridCol w="2445533">
                   <a:extLst>
                     <a:ext uri="{9D8B030D-6E8A-4147-A177-3AD203B41FA5}">
-                      <a16:colId xmlns:a16="http://schemas.microsoft.com/office/drawing/2014/main" xmlns="" val="3529894340"/>
+                      <a16:colId xmlns="" xmlns:a16="http://schemas.microsoft.com/office/drawing/2014/main" val="3529894340"/>
                     </a:ext>
                   </a:extLst>
                 </a:gridCol>
                 <a:gridCol w="1362456">
                   <a:extLst>
                     <a:ext uri="{9D8B030D-6E8A-4147-A177-3AD203B41FA5}">
-                      <a16:colId xmlns:a16="http://schemas.microsoft.com/office/drawing/2014/main" xmlns="" val="1499861417"/>
+                      <a16:colId xmlns="" xmlns:a16="http://schemas.microsoft.com/office/drawing/2014/main" val="1499861417"/>
                     </a:ext>
                   </a:extLst>
                 </a:gridCol>
                 <a:gridCol w="2359152">
                   <a:extLst>
                     <a:ext uri="{9D8B030D-6E8A-4147-A177-3AD203B41FA5}">
-                      <a16:colId xmlns:a16="http://schemas.microsoft.com/office/drawing/2014/main" xmlns="" val="4187647733"/>
+                      <a16:colId xmlns="" xmlns:a16="http://schemas.microsoft.com/office/drawing/2014/main" val="4187647733"/>
                     </a:ext>
                   </a:extLst>
                 </a:gridCol>
                 <a:gridCol w="5065349">
                   <a:extLst>
                     <a:ext uri="{9D8B030D-6E8A-4147-A177-3AD203B41FA5}">
-                      <a16:colId xmlns:a16="http://schemas.microsoft.com/office/drawing/2014/main" xmlns="" val="249921584"/>
+                      <a16:colId xmlns="" xmlns:a16="http://schemas.microsoft.com/office/drawing/2014/main" val="249921584"/>
                     </a:ext>
                   </a:extLst>
                 </a:gridCol>
@@ -3483,7 +3483,7 @@
                 </a:tc>
                 <a:extLst>
                   <a:ext uri="{0D108BD9-81ED-4DB2-BD59-A6C34878D82A}">
-                    <a16:rowId xmlns:a16="http://schemas.microsoft.com/office/drawing/2014/main" xmlns="" val="710423444"/>
+                    <a16:rowId xmlns="" xmlns:a16="http://schemas.microsoft.com/office/drawing/2014/main" val="710423444"/>
                   </a:ext>
                 </a:extLst>
               </a:tr>
@@ -3591,7 +3591,7 @@
                 </a:tc>
                 <a:extLst>
                   <a:ext uri="{0D108BD9-81ED-4DB2-BD59-A6C34878D82A}">
-                    <a16:rowId xmlns:a16="http://schemas.microsoft.com/office/drawing/2014/main" xmlns="" val="2268531505"/>
+                    <a16:rowId xmlns="" xmlns:a16="http://schemas.microsoft.com/office/drawing/2014/main" val="2268531505"/>
                   </a:ext>
                 </a:extLst>
               </a:tr>
@@ -3661,7 +3661,7 @@
                 </a:tc>
                 <a:extLst>
                   <a:ext uri="{0D108BD9-81ED-4DB2-BD59-A6C34878D82A}">
-                    <a16:rowId xmlns:a16="http://schemas.microsoft.com/office/drawing/2014/main" xmlns="" val="2652640281"/>
+                    <a16:rowId xmlns="" xmlns:a16="http://schemas.microsoft.com/office/drawing/2014/main" val="2652640281"/>
                   </a:ext>
                 </a:extLst>
               </a:tr>
@@ -3674,7 +3674,7 @@
           <p:cNvPr id="3" name="Tabla 4">
             <a:extLst>
               <a:ext uri="{FF2B5EF4-FFF2-40B4-BE49-F238E27FC236}">
-                <a16:creationId xmlns:a16="http://schemas.microsoft.com/office/drawing/2014/main" xmlns="" id="{0B85FC3D-90D6-44F3-838D-7966DDE35645}"/>
+                <a16:creationId xmlns="" xmlns:a16="http://schemas.microsoft.com/office/drawing/2014/main" id="{0B85FC3D-90D6-44F3-838D-7966DDE35645}"/>
               </a:ext>
             </a:extLst>
           </p:cNvPr>
@@ -3684,7 +3684,7 @@
           <p:nvPr>
             <p:extLst>
               <p:ext uri="{D42A27DB-BD31-4B8C-83A1-F6EECF244321}">
-                <p14:modId xmlns:p14="http://schemas.microsoft.com/office/powerpoint/2010/main" val="2528874807"/>
+                <p14:modId xmlns:p14="http://schemas.microsoft.com/office/powerpoint/2010/main" val="4215817526"/>
               </p:ext>
             </p:extLst>
           </p:nvPr>
@@ -3703,14 +3703,14 @@
                 <a:gridCol w="2853965">
                   <a:extLst>
                     <a:ext uri="{9D8B030D-6E8A-4147-A177-3AD203B41FA5}">
-                      <a16:colId xmlns:a16="http://schemas.microsoft.com/office/drawing/2014/main" xmlns="" val="433686987"/>
+                      <a16:colId xmlns="" xmlns:a16="http://schemas.microsoft.com/office/drawing/2014/main" val="433686987"/>
                     </a:ext>
                   </a:extLst>
                 </a:gridCol>
                 <a:gridCol w="8378525">
                   <a:extLst>
                     <a:ext uri="{9D8B030D-6E8A-4147-A177-3AD203B41FA5}">
-                      <a16:colId xmlns:a16="http://schemas.microsoft.com/office/drawing/2014/main" xmlns="" val="1085442628"/>
+                      <a16:colId xmlns="" xmlns:a16="http://schemas.microsoft.com/office/drawing/2014/main" val="1085442628"/>
                     </a:ext>
                   </a:extLst>
                 </a:gridCol>
@@ -3746,7 +3746,7 @@
                 </a:tc>
                 <a:extLst>
                   <a:ext uri="{0D108BD9-81ED-4DB2-BD59-A6C34878D82A}">
-                    <a16:rowId xmlns:a16="http://schemas.microsoft.com/office/drawing/2014/main" xmlns="" val="3835286737"/>
+                    <a16:rowId xmlns="" xmlns:a16="http://schemas.microsoft.com/office/drawing/2014/main" val="3835286737"/>
                   </a:ext>
                 </a:extLst>
               </a:tr>
@@ -3780,7 +3780,7 @@
                 </a:tc>
                 <a:extLst>
                   <a:ext uri="{0D108BD9-81ED-4DB2-BD59-A6C34878D82A}">
-                    <a16:rowId xmlns:a16="http://schemas.microsoft.com/office/drawing/2014/main" xmlns="" val="1283055978"/>
+                    <a16:rowId xmlns="" xmlns:a16="http://schemas.microsoft.com/office/drawing/2014/main" val="1283055978"/>
                   </a:ext>
                 </a:extLst>
               </a:tr>
@@ -3814,7 +3814,7 @@
                 </a:tc>
                 <a:extLst>
                   <a:ext uri="{0D108BD9-81ED-4DB2-BD59-A6C34878D82A}">
-                    <a16:rowId xmlns:a16="http://schemas.microsoft.com/office/drawing/2014/main" xmlns="" val="1249721087"/>
+                    <a16:rowId xmlns="" xmlns:a16="http://schemas.microsoft.com/office/drawing/2014/main" val="1249721087"/>
                   </a:ext>
                 </a:extLst>
               </a:tr>
@@ -3848,7 +3848,7 @@
                 </a:tc>
                 <a:extLst>
                   <a:ext uri="{0D108BD9-81ED-4DB2-BD59-A6C34878D82A}">
-                    <a16:rowId xmlns:a16="http://schemas.microsoft.com/office/drawing/2014/main" xmlns="" val="2704873570"/>
+                    <a16:rowId xmlns="" xmlns:a16="http://schemas.microsoft.com/office/drawing/2014/main" val="2704873570"/>
                   </a:ext>
                 </a:extLst>
               </a:tr>
@@ -3879,6 +3879,19 @@
                         <a:rPr lang="es-ES" dirty="0" smtClean="0"/>
                         <a:t>://</a:t>
                       </a:r>
+                      <a:r>
+                        <a:rPr lang="es-PE" sz="1800" b="1" i="0" kern="1200" smtClean="0">
+                          <a:solidFill>
+                            <a:schemeClr val="tx1"/>
+                          </a:solidFill>
+                          <a:effectLst/>
+                          <a:latin typeface="+mn-lt"/>
+                          <a:ea typeface="+mn-ea"/>
+                          <a:cs typeface="+mn-cs"/>
+                          <a:hlinkClick r:id="rId2"/>
+                        </a:rPr>
+                        <a:t>pa3-antuaneperez.netlify.app</a:t>
+                      </a:r>
                       <a:endParaRPr lang="es-ES" dirty="0"/>
                     </a:p>
                   </a:txBody>
@@ -3886,7 +3899,7 @@
                 </a:tc>
                 <a:extLst>
                   <a:ext uri="{0D108BD9-81ED-4DB2-BD59-A6C34878D82A}">
-                    <a16:rowId xmlns:a16="http://schemas.microsoft.com/office/drawing/2014/main" xmlns="" val="1900752937"/>
+                    <a16:rowId xmlns="" xmlns:a16="http://schemas.microsoft.com/office/drawing/2014/main" val="1900752937"/>
                   </a:ext>
                 </a:extLst>
               </a:tr>
